--- a/images/theory_analysis/URI_URL_URN/URI_URL_URN.pptx
+++ b/images/theory_analysis/URI_URL_URN/URI_URL_URN.pptx
@@ -5,14 +5,15 @@
     <p:sldMasterId id="2147483648" r:id="rId1"/>
   </p:sldMasterIdLst>
   <p:notesMasterIdLst>
-    <p:notesMasterId r:id="rId7"/>
+    <p:notesMasterId r:id="rId8"/>
   </p:notesMasterIdLst>
   <p:sldIdLst>
     <p:sldId id="368" r:id="rId2"/>
     <p:sldId id="375" r:id="rId3"/>
-    <p:sldId id="372" r:id="rId4"/>
-    <p:sldId id="373" r:id="rId5"/>
-    <p:sldId id="374" r:id="rId6"/>
+    <p:sldId id="376" r:id="rId4"/>
+    <p:sldId id="372" r:id="rId5"/>
+    <p:sldId id="373" r:id="rId6"/>
+    <p:sldId id="374" r:id="rId7"/>
   </p:sldIdLst>
   <p:sldSz cx="9144000" cy="5143500" type="screen16x9"/>
   <p:notesSz cx="6858000" cy="9144000"/>
@@ -3627,7 +3628,21 @@
           <a:p>
             <a:r>
               <a:rPr lang="en-US" altLang="ko-KR"/>
-              <a:t>https://blog.ssup2.com(.)(:443)/posts/software?author=ssup2&amp;tag=cloud</a:t>
+              <a:t>https://blog.ssup2.com</a:t>
+            </a:r>
+            <a:r>
+              <a:rPr lang="en-US" altLang="ko-KR">
+                <a:solidFill>
+                  <a:schemeClr val="bg1">
+                    <a:lumMod val="65000"/>
+                  </a:schemeClr>
+                </a:solidFill>
+              </a:rPr>
+              <a:t>(.)(:443)</a:t>
+            </a:r>
+            <a:r>
+              <a:rPr lang="en-US" altLang="ko-KR"/>
+              <a:t>/posts/software?author=ssup2&amp;tag=cloud</a:t>
             </a:r>
             <a:endParaRPr lang="ko-KR" altLang="en-US"/>
           </a:p>
@@ -4373,6 +4388,242 @@
       </p:grpSpPr>
       <p:sp>
         <p:nvSpPr>
+          <p:cNvPr id="8" name="TextBox 7">
+            <a:extLst>
+              <a:ext uri="{FF2B5EF4-FFF2-40B4-BE49-F238E27FC236}">
+                <a16:creationId xmlns:a16="http://schemas.microsoft.com/office/drawing/2014/main" id="{1B2B900A-0103-5A60-8945-7A0D31237398}"/>
+              </a:ext>
+            </a:extLst>
+          </p:cNvPr>
+          <p:cNvSpPr txBox="1"/>
+          <p:nvPr/>
+        </p:nvSpPr>
+        <p:spPr>
+          <a:xfrm>
+            <a:off x="1484960" y="2160839"/>
+            <a:ext cx="6243569" cy="369332"/>
+          </a:xfrm>
+          <a:prstGeom prst="rect">
+            <a:avLst/>
+          </a:prstGeom>
+          <a:noFill/>
+        </p:spPr>
+        <p:txBody>
+          <a:bodyPr wrap="none" rtlCol="0">
+            <a:spAutoFit/>
+          </a:bodyPr>
+          <a:lstStyle/>
+          <a:p>
+            <a:r>
+              <a:rPr lang="en-US" altLang="ko-KR"/>
+              <a:t>urn:ssup2:cloud:6e8bc430-9c3a-11d9-9669-0800200c9a66</a:t>
+            </a:r>
+            <a:endParaRPr lang="ko-KR" altLang="en-US"/>
+          </a:p>
+        </p:txBody>
+      </p:sp>
+      <p:sp>
+        <p:nvSpPr>
+          <p:cNvPr id="3" name="왼쪽 중괄호 2">
+            <a:extLst>
+              <a:ext uri="{FF2B5EF4-FFF2-40B4-BE49-F238E27FC236}">
+                <a16:creationId xmlns:a16="http://schemas.microsoft.com/office/drawing/2014/main" id="{37773CCF-83EF-59C0-06DB-BACA080690E2}"/>
+              </a:ext>
+            </a:extLst>
+          </p:cNvPr>
+          <p:cNvSpPr/>
+          <p:nvPr/>
+        </p:nvSpPr>
+        <p:spPr>
+          <a:xfrm rot="16200000">
+            <a:off x="2190072" y="2314147"/>
+            <a:ext cx="144016" cy="576064"/>
+          </a:xfrm>
+          <a:prstGeom prst="leftBrace">
+            <a:avLst/>
+          </a:prstGeom>
+          <a:ln w="12700">
+            <a:solidFill>
+              <a:schemeClr val="tx1"/>
+            </a:solidFill>
+          </a:ln>
+        </p:spPr>
+        <p:style>
+          <a:lnRef idx="1">
+            <a:schemeClr val="accent1"/>
+          </a:lnRef>
+          <a:fillRef idx="0">
+            <a:schemeClr val="accent1"/>
+          </a:fillRef>
+          <a:effectRef idx="0">
+            <a:schemeClr val="accent1"/>
+          </a:effectRef>
+          <a:fontRef idx="minor">
+            <a:schemeClr val="tx1"/>
+          </a:fontRef>
+        </p:style>
+        <p:txBody>
+          <a:bodyPr rtlCol="0" anchor="ctr"/>
+          <a:lstStyle/>
+          <a:p>
+            <a:pPr algn="ctr"/>
+            <a:endParaRPr lang="ko-KR" altLang="en-US"/>
+          </a:p>
+        </p:txBody>
+      </p:sp>
+      <p:sp>
+        <p:nvSpPr>
+          <p:cNvPr id="10" name="왼쪽 중괄호 9">
+            <a:extLst>
+              <a:ext uri="{FF2B5EF4-FFF2-40B4-BE49-F238E27FC236}">
+                <a16:creationId xmlns:a16="http://schemas.microsoft.com/office/drawing/2014/main" id="{A3BDC451-2F72-7970-C632-785D9DCD1B05}"/>
+              </a:ext>
+            </a:extLst>
+          </p:cNvPr>
+          <p:cNvSpPr/>
+          <p:nvPr/>
+        </p:nvSpPr>
+        <p:spPr>
+          <a:xfrm rot="16200000">
+            <a:off x="5008700" y="149255"/>
+            <a:ext cx="144016" cy="4905848"/>
+          </a:xfrm>
+          <a:prstGeom prst="leftBrace">
+            <a:avLst/>
+          </a:prstGeom>
+          <a:ln w="12700">
+            <a:solidFill>
+              <a:schemeClr val="tx1"/>
+            </a:solidFill>
+          </a:ln>
+        </p:spPr>
+        <p:style>
+          <a:lnRef idx="1">
+            <a:schemeClr val="accent1"/>
+          </a:lnRef>
+          <a:fillRef idx="0">
+            <a:schemeClr val="accent1"/>
+          </a:fillRef>
+          <a:effectRef idx="0">
+            <a:schemeClr val="accent1"/>
+          </a:effectRef>
+          <a:fontRef idx="minor">
+            <a:schemeClr val="tx1"/>
+          </a:fontRef>
+        </p:style>
+        <p:txBody>
+          <a:bodyPr rtlCol="0" anchor="ctr"/>
+          <a:lstStyle/>
+          <a:p>
+            <a:pPr algn="ctr"/>
+            <a:endParaRPr lang="ko-KR" altLang="en-US"/>
+          </a:p>
+        </p:txBody>
+      </p:sp>
+      <p:sp>
+        <p:nvSpPr>
+          <p:cNvPr id="15" name="TextBox 14">
+            <a:extLst>
+              <a:ext uri="{FF2B5EF4-FFF2-40B4-BE49-F238E27FC236}">
+                <a16:creationId xmlns:a16="http://schemas.microsoft.com/office/drawing/2014/main" id="{320C29CF-944D-2EBE-275E-A72D4DAC7B52}"/>
+              </a:ext>
+            </a:extLst>
+          </p:cNvPr>
+          <p:cNvSpPr txBox="1"/>
+          <p:nvPr/>
+        </p:nvSpPr>
+        <p:spPr>
+          <a:xfrm>
+            <a:off x="1315352" y="2662208"/>
+            <a:ext cx="1893467" cy="261610"/>
+          </a:xfrm>
+          <a:prstGeom prst="rect">
+            <a:avLst/>
+          </a:prstGeom>
+          <a:noFill/>
+        </p:spPr>
+        <p:txBody>
+          <a:bodyPr wrap="none" rtlCol="0">
+            <a:spAutoFit/>
+          </a:bodyPr>
+          <a:lstStyle/>
+          <a:p>
+            <a:pPr algn="ctr"/>
+            <a:r>
+              <a:rPr lang="en-US" altLang="ko-KR" sz="1100"/>
+              <a:t>NID (Namespace Identifer)</a:t>
+            </a:r>
+          </a:p>
+        </p:txBody>
+      </p:sp>
+      <p:sp>
+        <p:nvSpPr>
+          <p:cNvPr id="17" name="TextBox 16">
+            <a:extLst>
+              <a:ext uri="{FF2B5EF4-FFF2-40B4-BE49-F238E27FC236}">
+                <a16:creationId xmlns:a16="http://schemas.microsoft.com/office/drawing/2014/main" id="{64647380-157E-943C-FAFA-8D4A99B38ECC}"/>
+              </a:ext>
+            </a:extLst>
+          </p:cNvPr>
+          <p:cNvSpPr txBox="1"/>
+          <p:nvPr/>
+        </p:nvSpPr>
+        <p:spPr>
+          <a:xfrm>
+            <a:off x="3563888" y="2643758"/>
+            <a:ext cx="3033640" cy="261610"/>
+          </a:xfrm>
+          <a:prstGeom prst="rect">
+            <a:avLst/>
+          </a:prstGeom>
+          <a:noFill/>
+        </p:spPr>
+        <p:txBody>
+          <a:bodyPr wrap="square" rtlCol="0">
+            <a:spAutoFit/>
+          </a:bodyPr>
+          <a:lstStyle/>
+          <a:p>
+            <a:pPr algn="ctr"/>
+            <a:r>
+              <a:rPr lang="en-US" altLang="ko-KR" sz="1100"/>
+              <a:t>NSS (Namespace Specific String)</a:t>
+            </a:r>
+          </a:p>
+        </p:txBody>
+      </p:sp>
+    </p:spTree>
+    <p:extLst>
+      <p:ext uri="{BB962C8B-B14F-4D97-AF65-F5344CB8AC3E}">
+        <p14:creationId xmlns:p14="http://schemas.microsoft.com/office/powerpoint/2010/main" val="2578473215"/>
+      </p:ext>
+    </p:extLst>
+  </p:cSld>
+  <p:clrMapOvr>
+    <a:masterClrMapping/>
+  </p:clrMapOvr>
+</p:sld>
+</file>
+
+<file path=ppt/slides/slide4.xml><?xml version="1.0" encoding="utf-8"?>
+<p:sld xmlns:a="http://schemas.openxmlformats.org/drawingml/2006/main" xmlns:r="http://schemas.openxmlformats.org/officeDocument/2006/relationships" xmlns:p="http://schemas.openxmlformats.org/presentationml/2006/main">
+  <p:cSld>
+    <p:spTree>
+      <p:nvGrpSpPr>
+        <p:cNvPr id="1" name=""/>
+        <p:cNvGrpSpPr/>
+        <p:nvPr/>
+      </p:nvGrpSpPr>
+      <p:grpSpPr>
+        <a:xfrm>
+          <a:off x="0" y="0"/>
+          <a:ext cx="0" cy="0"/>
+          <a:chOff x="0" y="0"/>
+          <a:chExt cx="0" cy="0"/>
+        </a:xfrm>
+      </p:grpSpPr>
+      <p:sp>
+        <p:nvSpPr>
           <p:cNvPr id="2" name="제목 1">
             <a:extLst>
               <a:ext uri="{FF2B5EF4-FFF2-40B4-BE49-F238E27FC236}">
@@ -4434,7 +4685,7 @@
 </p:sld>
 </file>
 
-<file path=ppt/slides/slide4.xml><?xml version="1.0" encoding="utf-8"?>
+<file path=ppt/slides/slide5.xml><?xml version="1.0" encoding="utf-8"?>
 <p:sld xmlns:a="http://schemas.openxmlformats.org/drawingml/2006/main" xmlns:r="http://schemas.openxmlformats.org/officeDocument/2006/relationships" xmlns:p="http://schemas.openxmlformats.org/presentationml/2006/main">
   <p:cSld>
     <p:spTree>
@@ -4905,7 +5156,7 @@
 </p:sld>
 </file>
 
-<file path=ppt/slides/slide5.xml><?xml version="1.0" encoding="utf-8"?>
+<file path=ppt/slides/slide6.xml><?xml version="1.0" encoding="utf-8"?>
 <p:sld xmlns:a="http://schemas.openxmlformats.org/drawingml/2006/main" xmlns:r="http://schemas.openxmlformats.org/officeDocument/2006/relationships" xmlns:p="http://schemas.openxmlformats.org/presentationml/2006/main">
   <p:cSld>
     <p:spTree>

--- a/images/theory_analysis/URI_URL_URN/URI_URL_URN.pptx
+++ b/images/theory_analysis/URI_URL_URN/URI_URL_URN.pptx
@@ -4057,7 +4057,7 @@
           <a:noFill/>
         </p:spPr>
         <p:txBody>
-          <a:bodyPr wrap="none" rtlCol="0">
+          <a:bodyPr wrap="square" rtlCol="0">
             <a:spAutoFit/>
           </a:bodyPr>
           <a:lstStyle/>
@@ -4278,7 +4278,7 @@
         </p:nvSpPr>
         <p:spPr>
           <a:xfrm>
-            <a:off x="3102061" y="2406596"/>
+            <a:off x="3101796" y="2406597"/>
             <a:ext cx="684803" cy="430887"/>
           </a:xfrm>
           <a:prstGeom prst="rect">
@@ -4321,7 +4321,7 @@
         </p:nvSpPr>
         <p:spPr>
           <a:xfrm rot="16200000">
-            <a:off x="3378540" y="2294487"/>
+            <a:off x="3372190" y="2294487"/>
             <a:ext cx="144016" cy="141061"/>
           </a:xfrm>
           <a:prstGeom prst="leftBrace">

--- a/images/theory_analysis/URI_URL_URN/URI_URL_URN.pptx
+++ b/images/theory_analysis/URI_URL_URN/URI_URL_URN.pptx
@@ -5,15 +5,17 @@
     <p:sldMasterId id="2147483648" r:id="rId1"/>
   </p:sldMasterIdLst>
   <p:notesMasterIdLst>
-    <p:notesMasterId r:id="rId8"/>
+    <p:notesMasterId r:id="rId10"/>
   </p:notesMasterIdLst>
   <p:sldIdLst>
     <p:sldId id="368" r:id="rId2"/>
     <p:sldId id="375" r:id="rId3"/>
     <p:sldId id="376" r:id="rId4"/>
     <p:sldId id="372" r:id="rId5"/>
-    <p:sldId id="373" r:id="rId6"/>
-    <p:sldId id="374" r:id="rId7"/>
+    <p:sldId id="378" r:id="rId6"/>
+    <p:sldId id="377" r:id="rId7"/>
+    <p:sldId id="373" r:id="rId8"/>
+    <p:sldId id="374" r:id="rId9"/>
   </p:sldIdLst>
   <p:sldSz cx="9144000" cy="5143500" type="screen16x9"/>
   <p:notesSz cx="6858000" cy="9144000"/>
@@ -218,7 +220,7 @@
           <a:p>
             <a:fld id="{6CD5550B-26C4-49A9-A5BA-636EF7BE6CE9}" type="datetimeFigureOut">
               <a:rPr lang="ko-KR" altLang="en-US" smtClean="0"/>
-              <a:t>2022-07-30</a:t>
+              <a:t>2022-10-10</a:t>
             </a:fld>
             <a:endParaRPr lang="ko-KR" altLang="en-US"/>
           </a:p>
@@ -664,7 +666,7 @@
           <a:p>
             <a:fld id="{FB30EDBD-1C2D-4C1E-B459-B60219FAB484}" type="datetimeFigureOut">
               <a:rPr lang="ko-KR" altLang="en-US" smtClean="0"/>
-              <a:t>2022-07-30</a:t>
+              <a:t>2022-10-10</a:t>
             </a:fld>
             <a:endParaRPr lang="ko-KR" altLang="en-US"/>
           </a:p>
@@ -827,7 +829,7 @@
           <a:p>
             <a:fld id="{FB30EDBD-1C2D-4C1E-B459-B60219FAB484}" type="datetimeFigureOut">
               <a:rPr lang="ko-KR" altLang="en-US" smtClean="0"/>
-              <a:t>2022-07-30</a:t>
+              <a:t>2022-10-10</a:t>
             </a:fld>
             <a:endParaRPr lang="ko-KR" altLang="en-US"/>
           </a:p>
@@ -1000,7 +1002,7 @@
           <a:p>
             <a:fld id="{FB30EDBD-1C2D-4C1E-B459-B60219FAB484}" type="datetimeFigureOut">
               <a:rPr lang="ko-KR" altLang="en-US" smtClean="0"/>
-              <a:t>2022-07-30</a:t>
+              <a:t>2022-10-10</a:t>
             </a:fld>
             <a:endParaRPr lang="ko-KR" altLang="en-US"/>
           </a:p>
@@ -1163,7 +1165,7 @@
           <a:p>
             <a:fld id="{FB30EDBD-1C2D-4C1E-B459-B60219FAB484}" type="datetimeFigureOut">
               <a:rPr lang="ko-KR" altLang="en-US" smtClean="0"/>
-              <a:t>2022-07-30</a:t>
+              <a:t>2022-10-10</a:t>
             </a:fld>
             <a:endParaRPr lang="ko-KR" altLang="en-US"/>
           </a:p>
@@ -1403,7 +1405,7 @@
           <a:p>
             <a:fld id="{FB30EDBD-1C2D-4C1E-B459-B60219FAB484}" type="datetimeFigureOut">
               <a:rPr lang="ko-KR" altLang="en-US" smtClean="0"/>
-              <a:t>2022-07-30</a:t>
+              <a:t>2022-10-10</a:t>
             </a:fld>
             <a:endParaRPr lang="ko-KR" altLang="en-US"/>
           </a:p>
@@ -1683,7 +1685,7 @@
           <a:p>
             <a:fld id="{FB30EDBD-1C2D-4C1E-B459-B60219FAB484}" type="datetimeFigureOut">
               <a:rPr lang="ko-KR" altLang="en-US" smtClean="0"/>
-              <a:t>2022-07-30</a:t>
+              <a:t>2022-10-10</a:t>
             </a:fld>
             <a:endParaRPr lang="ko-KR" altLang="en-US"/>
           </a:p>
@@ -2097,7 +2099,7 @@
           <a:p>
             <a:fld id="{FB30EDBD-1C2D-4C1E-B459-B60219FAB484}" type="datetimeFigureOut">
               <a:rPr lang="ko-KR" altLang="en-US" smtClean="0"/>
-              <a:t>2022-07-30</a:t>
+              <a:t>2022-10-10</a:t>
             </a:fld>
             <a:endParaRPr lang="ko-KR" altLang="en-US"/>
           </a:p>
@@ -2209,7 +2211,7 @@
           <a:p>
             <a:fld id="{FB30EDBD-1C2D-4C1E-B459-B60219FAB484}" type="datetimeFigureOut">
               <a:rPr lang="ko-KR" altLang="en-US" smtClean="0"/>
-              <a:t>2022-07-30</a:t>
+              <a:t>2022-10-10</a:t>
             </a:fld>
             <a:endParaRPr lang="ko-KR" altLang="en-US"/>
           </a:p>
@@ -2299,7 +2301,7 @@
           <a:p>
             <a:fld id="{FB30EDBD-1C2D-4C1E-B459-B60219FAB484}" type="datetimeFigureOut">
               <a:rPr lang="ko-KR" altLang="en-US" smtClean="0"/>
-              <a:t>2022-07-30</a:t>
+              <a:t>2022-10-10</a:t>
             </a:fld>
             <a:endParaRPr lang="ko-KR" altLang="en-US"/>
           </a:p>
@@ -2569,7 +2571,7 @@
           <a:p>
             <a:fld id="{FB30EDBD-1C2D-4C1E-B459-B60219FAB484}" type="datetimeFigureOut">
               <a:rPr lang="ko-KR" altLang="en-US" smtClean="0"/>
-              <a:t>2022-07-30</a:t>
+              <a:t>2022-10-10</a:t>
             </a:fld>
             <a:endParaRPr lang="ko-KR" altLang="en-US"/>
           </a:p>
@@ -2816,7 +2818,7 @@
           <a:p>
             <a:fld id="{FB30EDBD-1C2D-4C1E-B459-B60219FAB484}" type="datetimeFigureOut">
               <a:rPr lang="ko-KR" altLang="en-US" smtClean="0"/>
-              <a:t>2022-07-30</a:t>
+              <a:t>2022-10-10</a:t>
             </a:fld>
             <a:endParaRPr lang="ko-KR" altLang="en-US"/>
           </a:p>
@@ -3022,7 +3024,7 @@
           <a:p>
             <a:fld id="{FB30EDBD-1C2D-4C1E-B459-B60219FAB484}" type="datetimeFigureOut">
               <a:rPr lang="ko-KR" altLang="en-US" smtClean="0"/>
-              <a:t>2022-07-30</a:t>
+              <a:t>2022-10-10</a:t>
             </a:fld>
             <a:endParaRPr lang="ko-KR" altLang="en-US"/>
           </a:p>
@@ -4048,8 +4050,8 @@
         </p:nvSpPr>
         <p:spPr>
           <a:xfrm>
-            <a:off x="1523498" y="1564186"/>
-            <a:ext cx="912430" cy="261610"/>
+            <a:off x="1233498" y="1370612"/>
+            <a:ext cx="1492430" cy="430887"/>
           </a:xfrm>
           <a:prstGeom prst="rect">
             <a:avLst/>
@@ -4065,7 +4067,14 @@
             <a:pPr algn="ctr"/>
             <a:r>
               <a:rPr lang="en-US" altLang="ko-KR" sz="1100"/>
-              <a:t>Subdomain</a:t>
+              <a:t>Subdomain /</a:t>
+            </a:r>
+          </a:p>
+          <a:p>
+            <a:pPr algn="ctr"/>
+            <a:r>
+              <a:rPr lang="en-US" altLang="ko-KR" sz="1100"/>
+              <a:t>Third-level Domain</a:t>
             </a:r>
           </a:p>
         </p:txBody>
@@ -4084,8 +4093,8 @@
         </p:nvSpPr>
         <p:spPr>
           <a:xfrm>
-            <a:off x="2051525" y="2406597"/>
-            <a:ext cx="1003801" cy="430887"/>
+            <a:off x="1943325" y="2406597"/>
+            <a:ext cx="1220206" cy="769441"/>
           </a:xfrm>
           <a:prstGeom prst="rect">
             <a:avLst/>
@@ -4101,6 +4110,13 @@
             <a:pPr algn="ctr"/>
             <a:r>
               <a:rPr lang="en-US" altLang="ko-KR" sz="1100"/>
+              <a:t>Domain Name /</a:t>
+            </a:r>
+          </a:p>
+          <a:p>
+            <a:pPr algn="ctr"/>
+            <a:r>
+              <a:rPr lang="en-US" altLang="ko-KR" sz="1100"/>
               <a:t>Second-level</a:t>
             </a:r>
           </a:p>
@@ -4110,6 +4126,10 @@
               <a:rPr lang="en-US" altLang="ko-KR" sz="1100"/>
               <a:t>Domain</a:t>
             </a:r>
+          </a:p>
+          <a:p>
+            <a:pPr algn="ctr"/>
+            <a:endParaRPr lang="en-US" altLang="ko-KR" sz="1100"/>
           </a:p>
         </p:txBody>
       </p:sp>
@@ -4278,8 +4298,8 @@
         </p:nvSpPr>
         <p:spPr>
           <a:xfrm>
-            <a:off x="3101796" y="2406597"/>
-            <a:ext cx="684803" cy="430887"/>
+            <a:off x="2988784" y="2406597"/>
+            <a:ext cx="910827" cy="600164"/>
           </a:xfrm>
           <a:prstGeom prst="rect">
             <a:avLst/>
@@ -4303,6 +4323,13 @@
             <a:r>
               <a:rPr lang="en-US" altLang="ko-KR" sz="1100"/>
               <a:t>Domain</a:t>
+            </a:r>
+          </a:p>
+          <a:p>
+            <a:pPr algn="ctr"/>
+            <a:r>
+              <a:rPr lang="en-US" altLang="ko-KR" sz="1100"/>
+              <a:t>(DNS View)</a:t>
             </a:r>
           </a:p>
         </p:txBody>
@@ -4353,6 +4380,183 @@
           <a:p>
             <a:pPr algn="ctr"/>
             <a:endParaRPr lang="ko-KR" altLang="en-US"/>
+          </a:p>
+        </p:txBody>
+      </p:sp>
+      <p:sp>
+        <p:nvSpPr>
+          <p:cNvPr id="2" name="왼쪽 중괄호 23">
+            <a:extLst>
+              <a:ext uri="{FF2B5EF4-FFF2-40B4-BE49-F238E27FC236}">
+                <a16:creationId xmlns:a16="http://schemas.microsoft.com/office/drawing/2014/main" id="{EBACCA79-54CB-49B7-74F0-B01533533345}"/>
+              </a:ext>
+            </a:extLst>
+          </p:cNvPr>
+          <p:cNvSpPr/>
+          <p:nvPr/>
+        </p:nvSpPr>
+        <p:spPr>
+          <a:xfrm rot="16200000">
+            <a:off x="2819230" y="2467908"/>
+            <a:ext cx="144016" cy="1246982"/>
+          </a:xfrm>
+          <a:prstGeom prst="leftBrace">
+            <a:avLst/>
+          </a:prstGeom>
+          <a:ln w="12700">
+            <a:solidFill>
+              <a:schemeClr val="tx1"/>
+            </a:solidFill>
+          </a:ln>
+        </p:spPr>
+        <p:style>
+          <a:lnRef idx="1">
+            <a:schemeClr val="accent1"/>
+          </a:lnRef>
+          <a:fillRef idx="0">
+            <a:schemeClr val="accent1"/>
+          </a:fillRef>
+          <a:effectRef idx="0">
+            <a:schemeClr val="accent1"/>
+          </a:effectRef>
+          <a:fontRef idx="minor">
+            <a:schemeClr val="tx1"/>
+          </a:fontRef>
+        </p:style>
+        <p:txBody>
+          <a:bodyPr rtlCol="0" anchor="ctr"/>
+          <a:lstStyle/>
+          <a:p>
+            <a:pPr algn="ctr"/>
+            <a:endParaRPr lang="ko-KR" altLang="en-US"/>
+          </a:p>
+        </p:txBody>
+      </p:sp>
+      <p:sp>
+        <p:nvSpPr>
+          <p:cNvPr id="4" name="TextBox 3">
+            <a:extLst>
+              <a:ext uri="{FF2B5EF4-FFF2-40B4-BE49-F238E27FC236}">
+                <a16:creationId xmlns:a16="http://schemas.microsoft.com/office/drawing/2014/main" id="{FED3D2A1-8399-7E97-A670-426E110A7BBB}"/>
+              </a:ext>
+            </a:extLst>
+          </p:cNvPr>
+          <p:cNvSpPr txBox="1"/>
+          <p:nvPr/>
+        </p:nvSpPr>
+        <p:spPr>
+          <a:xfrm>
+            <a:off x="1892939" y="3141481"/>
+            <a:ext cx="2006672" cy="430887"/>
+          </a:xfrm>
+          <a:prstGeom prst="rect">
+            <a:avLst/>
+          </a:prstGeom>
+          <a:noFill/>
+        </p:spPr>
+        <p:txBody>
+          <a:bodyPr wrap="square" rtlCol="0">
+            <a:spAutoFit/>
+          </a:bodyPr>
+          <a:lstStyle/>
+          <a:p>
+            <a:pPr algn="ctr"/>
+            <a:r>
+              <a:rPr lang="en-US" altLang="ko-KR" sz="1100"/>
+              <a:t>Root Domain </a:t>
+            </a:r>
+            <a:br>
+              <a:rPr lang="en-US" altLang="ko-KR" sz="1100"/>
+            </a:br>
+            <a:r>
+              <a:rPr lang="en-US" altLang="ko-KR" sz="1100"/>
+              <a:t>(Common)</a:t>
+            </a:r>
+          </a:p>
+        </p:txBody>
+      </p:sp>
+      <p:sp>
+        <p:nvSpPr>
+          <p:cNvPr id="5" name="왼쪽 중괄호 23">
+            <a:extLst>
+              <a:ext uri="{FF2B5EF4-FFF2-40B4-BE49-F238E27FC236}">
+                <a16:creationId xmlns:a16="http://schemas.microsoft.com/office/drawing/2014/main" id="{7AB2F1EF-B326-04E3-F492-BDAF295651E4}"/>
+              </a:ext>
+            </a:extLst>
+          </p:cNvPr>
+          <p:cNvSpPr/>
+          <p:nvPr/>
+        </p:nvSpPr>
+        <p:spPr>
+          <a:xfrm rot="16200000">
+            <a:off x="2567202" y="2744034"/>
+            <a:ext cx="144016" cy="1751040"/>
+          </a:xfrm>
+          <a:prstGeom prst="leftBrace">
+            <a:avLst/>
+          </a:prstGeom>
+          <a:ln w="12700">
+            <a:solidFill>
+              <a:schemeClr val="tx1"/>
+            </a:solidFill>
+          </a:ln>
+        </p:spPr>
+        <p:style>
+          <a:lnRef idx="1">
+            <a:schemeClr val="accent1"/>
+          </a:lnRef>
+          <a:fillRef idx="0">
+            <a:schemeClr val="accent1"/>
+          </a:fillRef>
+          <a:effectRef idx="0">
+            <a:schemeClr val="accent1"/>
+          </a:effectRef>
+          <a:fontRef idx="minor">
+            <a:schemeClr val="tx1"/>
+          </a:fontRef>
+        </p:style>
+        <p:txBody>
+          <a:bodyPr rtlCol="0" anchor="ctr"/>
+          <a:lstStyle/>
+          <a:p>
+            <a:pPr algn="ctr"/>
+            <a:endParaRPr lang="ko-KR" altLang="en-US"/>
+          </a:p>
+        </p:txBody>
+      </p:sp>
+      <p:sp>
+        <p:nvSpPr>
+          <p:cNvPr id="6" name="TextBox 5">
+            <a:extLst>
+              <a:ext uri="{FF2B5EF4-FFF2-40B4-BE49-F238E27FC236}">
+                <a16:creationId xmlns:a16="http://schemas.microsoft.com/office/drawing/2014/main" id="{989A6489-D407-CE2E-6DFB-C7FF1CE19CD7}"/>
+              </a:ext>
+            </a:extLst>
+          </p:cNvPr>
+          <p:cNvSpPr txBox="1"/>
+          <p:nvPr/>
+        </p:nvSpPr>
+        <p:spPr>
+          <a:xfrm>
+            <a:off x="1634945" y="3697696"/>
+            <a:ext cx="2006672" cy="261610"/>
+          </a:xfrm>
+          <a:prstGeom prst="rect">
+            <a:avLst/>
+          </a:prstGeom>
+          <a:noFill/>
+        </p:spPr>
+        <p:txBody>
+          <a:bodyPr wrap="square" rtlCol="0">
+            <a:spAutoFit/>
+          </a:bodyPr>
+          <a:lstStyle/>
+          <a:p>
+            <a:pPr algn="ctr"/>
+            <a:r>
+              <a:rPr lang="en-US" altLang="ko-KR" sz="1100"/>
+              <a:t>FQDN</a:t>
+            </a:r>
           </a:p>
         </p:txBody>
       </p:sp>
@@ -4672,6 +4876,49 @@
           </a:p>
         </p:txBody>
       </p:sp>
+      <p:sp>
+        <p:nvSpPr>
+          <p:cNvPr id="5" name="TextBox 4">
+            <a:extLst>
+              <a:ext uri="{FF2B5EF4-FFF2-40B4-BE49-F238E27FC236}">
+                <a16:creationId xmlns:a16="http://schemas.microsoft.com/office/drawing/2014/main" id="{B39017AD-3481-649A-04F2-CF9C2907E2C5}"/>
+              </a:ext>
+            </a:extLst>
+          </p:cNvPr>
+          <p:cNvSpPr txBox="1"/>
+          <p:nvPr/>
+        </p:nvSpPr>
+        <p:spPr>
+          <a:xfrm>
+            <a:off x="2286000" y="2249979"/>
+            <a:ext cx="4572000" cy="646331"/>
+          </a:xfrm>
+          <a:prstGeom prst="rect">
+            <a:avLst/>
+          </a:prstGeom>
+          <a:noFill/>
+        </p:spPr>
+        <p:txBody>
+          <a:bodyPr wrap="square">
+            <a:spAutoFit/>
+          </a:bodyPr>
+          <a:lstStyle/>
+          <a:p>
+            <a:pPr algn="ctr"/>
+            <a:r>
+              <a:rPr lang="en-US" altLang="ko-KR" sz="1800"/>
+              <a:t>Second-level</a:t>
+            </a:r>
+          </a:p>
+          <a:p>
+            <a:pPr algn="ctr"/>
+            <a:r>
+              <a:rPr lang="en-US" altLang="ko-KR" sz="1800"/>
+              <a:t>Domain /</a:t>
+            </a:r>
+          </a:p>
+        </p:txBody>
+      </p:sp>
     </p:spTree>
     <p:extLst>
       <p:ext uri="{BB962C8B-B14F-4D97-AF65-F5344CB8AC3E}">
@@ -4704,6 +4951,1692 @@
       </p:grpSpPr>
       <p:sp>
         <p:nvSpPr>
+          <p:cNvPr id="8" name="TextBox 7">
+            <a:extLst>
+              <a:ext uri="{FF2B5EF4-FFF2-40B4-BE49-F238E27FC236}">
+                <a16:creationId xmlns:a16="http://schemas.microsoft.com/office/drawing/2014/main" id="{1B2B900A-0103-5A60-8945-7A0D31237398}"/>
+              </a:ext>
+            </a:extLst>
+          </p:cNvPr>
+          <p:cNvSpPr txBox="1"/>
+          <p:nvPr/>
+        </p:nvSpPr>
+        <p:spPr>
+          <a:xfrm>
+            <a:off x="899592" y="1923678"/>
+            <a:ext cx="7709098" cy="369332"/>
+          </a:xfrm>
+          <a:prstGeom prst="rect">
+            <a:avLst/>
+          </a:prstGeom>
+          <a:noFill/>
+        </p:spPr>
+        <p:txBody>
+          <a:bodyPr wrap="none" rtlCol="0">
+            <a:spAutoFit/>
+          </a:bodyPr>
+          <a:lstStyle/>
+          <a:p>
+            <a:r>
+              <a:rPr lang="en-US" altLang="ko-KR"/>
+              <a:t>https://blog.ssup2.com</a:t>
+            </a:r>
+            <a:r>
+              <a:rPr lang="en-US" altLang="ko-KR">
+                <a:solidFill>
+                  <a:schemeClr val="bg1">
+                    <a:lumMod val="65000"/>
+                  </a:schemeClr>
+                </a:solidFill>
+              </a:rPr>
+              <a:t>(.)(:443)</a:t>
+            </a:r>
+            <a:r>
+              <a:rPr lang="en-US" altLang="ko-KR"/>
+              <a:t>/posts/software?author=ssup2&amp;tag=cloud</a:t>
+            </a:r>
+            <a:endParaRPr lang="ko-KR" altLang="en-US"/>
+          </a:p>
+        </p:txBody>
+      </p:sp>
+      <p:sp>
+        <p:nvSpPr>
+          <p:cNvPr id="3" name="왼쪽 중괄호 2">
+            <a:extLst>
+              <a:ext uri="{FF2B5EF4-FFF2-40B4-BE49-F238E27FC236}">
+                <a16:creationId xmlns:a16="http://schemas.microsoft.com/office/drawing/2014/main" id="{37773CCF-83EF-59C0-06DB-BACA080690E2}"/>
+              </a:ext>
+            </a:extLst>
+          </p:cNvPr>
+          <p:cNvSpPr/>
+          <p:nvPr/>
+        </p:nvSpPr>
+        <p:spPr>
+          <a:xfrm rot="16200000">
+            <a:off x="1187676" y="2119749"/>
+            <a:ext cx="144016" cy="490538"/>
+          </a:xfrm>
+          <a:prstGeom prst="leftBrace">
+            <a:avLst/>
+          </a:prstGeom>
+          <a:ln w="12700">
+            <a:solidFill>
+              <a:schemeClr val="tx1"/>
+            </a:solidFill>
+          </a:ln>
+        </p:spPr>
+        <p:style>
+          <a:lnRef idx="1">
+            <a:schemeClr val="accent1"/>
+          </a:lnRef>
+          <a:fillRef idx="0">
+            <a:schemeClr val="accent1"/>
+          </a:fillRef>
+          <a:effectRef idx="0">
+            <a:schemeClr val="accent1"/>
+          </a:effectRef>
+          <a:fontRef idx="minor">
+            <a:schemeClr val="tx1"/>
+          </a:fontRef>
+        </p:style>
+        <p:txBody>
+          <a:bodyPr rtlCol="0" anchor="ctr"/>
+          <a:lstStyle/>
+          <a:p>
+            <a:pPr algn="ctr"/>
+            <a:endParaRPr lang="ko-KR" altLang="en-US"/>
+          </a:p>
+        </p:txBody>
+      </p:sp>
+      <p:sp>
+        <p:nvSpPr>
+          <p:cNvPr id="9" name="왼쪽 중괄호 8">
+            <a:extLst>
+              <a:ext uri="{FF2B5EF4-FFF2-40B4-BE49-F238E27FC236}">
+                <a16:creationId xmlns:a16="http://schemas.microsoft.com/office/drawing/2014/main" id="{9A404401-E9CC-F5F4-3940-3C0DC1EC0B2B}"/>
+              </a:ext>
+            </a:extLst>
+          </p:cNvPr>
+          <p:cNvSpPr/>
+          <p:nvPr/>
+        </p:nvSpPr>
+        <p:spPr>
+          <a:xfrm rot="5400000">
+            <a:off x="1907704" y="1645504"/>
+            <a:ext cx="144016" cy="432048"/>
+          </a:xfrm>
+          <a:prstGeom prst="leftBrace">
+            <a:avLst/>
+          </a:prstGeom>
+          <a:ln w="12700">
+            <a:solidFill>
+              <a:schemeClr val="tx1"/>
+            </a:solidFill>
+          </a:ln>
+        </p:spPr>
+        <p:style>
+          <a:lnRef idx="1">
+            <a:schemeClr val="accent1"/>
+          </a:lnRef>
+          <a:fillRef idx="0">
+            <a:schemeClr val="accent1"/>
+          </a:fillRef>
+          <a:effectRef idx="0">
+            <a:schemeClr val="accent1"/>
+          </a:effectRef>
+          <a:fontRef idx="minor">
+            <a:schemeClr val="tx1"/>
+          </a:fontRef>
+        </p:style>
+        <p:txBody>
+          <a:bodyPr rtlCol="0" anchor="ctr"/>
+          <a:lstStyle/>
+          <a:p>
+            <a:pPr algn="ctr"/>
+            <a:endParaRPr lang="ko-KR" altLang="en-US"/>
+          </a:p>
+        </p:txBody>
+      </p:sp>
+      <p:sp>
+        <p:nvSpPr>
+          <p:cNvPr id="10" name="왼쪽 중괄호 9">
+            <a:extLst>
+              <a:ext uri="{FF2B5EF4-FFF2-40B4-BE49-F238E27FC236}">
+                <a16:creationId xmlns:a16="http://schemas.microsoft.com/office/drawing/2014/main" id="{A3BDC451-2F72-7970-C632-785D9DCD1B05}"/>
+              </a:ext>
+            </a:extLst>
+          </p:cNvPr>
+          <p:cNvSpPr/>
+          <p:nvPr/>
+        </p:nvSpPr>
+        <p:spPr>
+          <a:xfrm rot="16200000">
+            <a:off x="2483768" y="2076986"/>
+            <a:ext cx="144016" cy="576064"/>
+          </a:xfrm>
+          <a:prstGeom prst="leftBrace">
+            <a:avLst/>
+          </a:prstGeom>
+          <a:ln w="12700">
+            <a:solidFill>
+              <a:schemeClr val="tx1"/>
+            </a:solidFill>
+          </a:ln>
+        </p:spPr>
+        <p:style>
+          <a:lnRef idx="1">
+            <a:schemeClr val="accent1"/>
+          </a:lnRef>
+          <a:fillRef idx="0">
+            <a:schemeClr val="accent1"/>
+          </a:fillRef>
+          <a:effectRef idx="0">
+            <a:schemeClr val="accent1"/>
+          </a:effectRef>
+          <a:fontRef idx="minor">
+            <a:schemeClr val="tx1"/>
+          </a:fontRef>
+        </p:style>
+        <p:txBody>
+          <a:bodyPr rtlCol="0" anchor="ctr"/>
+          <a:lstStyle/>
+          <a:p>
+            <a:pPr algn="ctr"/>
+            <a:endParaRPr lang="ko-KR" altLang="en-US"/>
+          </a:p>
+        </p:txBody>
+      </p:sp>
+      <p:sp>
+        <p:nvSpPr>
+          <p:cNvPr id="11" name="왼쪽 중괄호 10">
+            <a:extLst>
+              <a:ext uri="{FF2B5EF4-FFF2-40B4-BE49-F238E27FC236}">
+                <a16:creationId xmlns:a16="http://schemas.microsoft.com/office/drawing/2014/main" id="{AE9F6E65-2E5A-C268-0DC1-15443A7C089A}"/>
+              </a:ext>
+            </a:extLst>
+          </p:cNvPr>
+          <p:cNvSpPr/>
+          <p:nvPr/>
+        </p:nvSpPr>
+        <p:spPr>
+          <a:xfrm rot="5400000">
+            <a:off x="3064098" y="1663884"/>
+            <a:ext cx="144016" cy="395287"/>
+          </a:xfrm>
+          <a:prstGeom prst="leftBrace">
+            <a:avLst/>
+          </a:prstGeom>
+          <a:ln w="12700">
+            <a:solidFill>
+              <a:schemeClr val="tx1"/>
+            </a:solidFill>
+          </a:ln>
+        </p:spPr>
+        <p:style>
+          <a:lnRef idx="1">
+            <a:schemeClr val="accent1"/>
+          </a:lnRef>
+          <a:fillRef idx="0">
+            <a:schemeClr val="accent1"/>
+          </a:fillRef>
+          <a:effectRef idx="0">
+            <a:schemeClr val="accent1"/>
+          </a:effectRef>
+          <a:fontRef idx="minor">
+            <a:schemeClr val="tx1"/>
+          </a:fontRef>
+        </p:style>
+        <p:txBody>
+          <a:bodyPr rtlCol="0" anchor="ctr"/>
+          <a:lstStyle/>
+          <a:p>
+            <a:pPr algn="ctr"/>
+            <a:endParaRPr lang="ko-KR" altLang="en-US"/>
+          </a:p>
+        </p:txBody>
+      </p:sp>
+      <p:sp>
+        <p:nvSpPr>
+          <p:cNvPr id="12" name="왼쪽 중괄호 11">
+            <a:extLst>
+              <a:ext uri="{FF2B5EF4-FFF2-40B4-BE49-F238E27FC236}">
+                <a16:creationId xmlns:a16="http://schemas.microsoft.com/office/drawing/2014/main" id="{D0CCDFC4-C092-B98A-C9AE-15DF447F3A1C}"/>
+              </a:ext>
+            </a:extLst>
+          </p:cNvPr>
+          <p:cNvSpPr/>
+          <p:nvPr/>
+        </p:nvSpPr>
+        <p:spPr>
+          <a:xfrm rot="5400000">
+            <a:off x="3750871" y="1611725"/>
+            <a:ext cx="144016" cy="490135"/>
+          </a:xfrm>
+          <a:prstGeom prst="leftBrace">
+            <a:avLst/>
+          </a:prstGeom>
+          <a:ln w="12700">
+            <a:solidFill>
+              <a:schemeClr val="tx1"/>
+            </a:solidFill>
+          </a:ln>
+        </p:spPr>
+        <p:style>
+          <a:lnRef idx="1">
+            <a:schemeClr val="accent1"/>
+          </a:lnRef>
+          <a:fillRef idx="0">
+            <a:schemeClr val="accent1"/>
+          </a:fillRef>
+          <a:effectRef idx="0">
+            <a:schemeClr val="accent1"/>
+          </a:effectRef>
+          <a:fontRef idx="minor">
+            <a:schemeClr val="tx1"/>
+          </a:fontRef>
+        </p:style>
+        <p:txBody>
+          <a:bodyPr rtlCol="0" anchor="ctr"/>
+          <a:lstStyle/>
+          <a:p>
+            <a:pPr algn="ctr"/>
+            <a:endParaRPr lang="ko-KR" altLang="en-US"/>
+          </a:p>
+        </p:txBody>
+      </p:sp>
+      <p:sp>
+        <p:nvSpPr>
+          <p:cNvPr id="13" name="왼쪽 중괄호 12">
+            <a:extLst>
+              <a:ext uri="{FF2B5EF4-FFF2-40B4-BE49-F238E27FC236}">
+                <a16:creationId xmlns:a16="http://schemas.microsoft.com/office/drawing/2014/main" id="{A2FE5D90-28EC-ECFD-32AC-79DE0F3BBCEA}"/>
+              </a:ext>
+            </a:extLst>
+          </p:cNvPr>
+          <p:cNvSpPr/>
+          <p:nvPr/>
+        </p:nvSpPr>
+        <p:spPr>
+          <a:xfrm rot="16200000">
+            <a:off x="4839740" y="1576069"/>
+            <a:ext cx="144016" cy="1577900"/>
+          </a:xfrm>
+          <a:prstGeom prst="leftBrace">
+            <a:avLst/>
+          </a:prstGeom>
+          <a:ln w="12700">
+            <a:solidFill>
+              <a:schemeClr val="tx1"/>
+            </a:solidFill>
+          </a:ln>
+        </p:spPr>
+        <p:style>
+          <a:lnRef idx="1">
+            <a:schemeClr val="accent1"/>
+          </a:lnRef>
+          <a:fillRef idx="0">
+            <a:schemeClr val="accent1"/>
+          </a:fillRef>
+          <a:effectRef idx="0">
+            <a:schemeClr val="accent1"/>
+          </a:effectRef>
+          <a:fontRef idx="minor">
+            <a:schemeClr val="tx1"/>
+          </a:fontRef>
+        </p:style>
+        <p:txBody>
+          <a:bodyPr rtlCol="0" anchor="ctr"/>
+          <a:lstStyle/>
+          <a:p>
+            <a:pPr algn="ctr"/>
+            <a:endParaRPr lang="ko-KR" altLang="en-US"/>
+          </a:p>
+        </p:txBody>
+      </p:sp>
+      <p:sp>
+        <p:nvSpPr>
+          <p:cNvPr id="14" name="왼쪽 중괄호 13">
+            <a:extLst>
+              <a:ext uri="{FF2B5EF4-FFF2-40B4-BE49-F238E27FC236}">
+                <a16:creationId xmlns:a16="http://schemas.microsoft.com/office/drawing/2014/main" id="{99F831F8-93FD-090C-0A13-29CE090AB7F5}"/>
+              </a:ext>
+            </a:extLst>
+          </p:cNvPr>
+          <p:cNvSpPr/>
+          <p:nvPr/>
+        </p:nvSpPr>
+        <p:spPr>
+          <a:xfrm rot="16200000">
+            <a:off x="7036084" y="987862"/>
+            <a:ext cx="144016" cy="2754314"/>
+          </a:xfrm>
+          <a:prstGeom prst="leftBrace">
+            <a:avLst/>
+          </a:prstGeom>
+          <a:ln w="12700">
+            <a:solidFill>
+              <a:schemeClr val="tx1"/>
+            </a:solidFill>
+          </a:ln>
+        </p:spPr>
+        <p:style>
+          <a:lnRef idx="1">
+            <a:schemeClr val="accent1"/>
+          </a:lnRef>
+          <a:fillRef idx="0">
+            <a:schemeClr val="accent1"/>
+          </a:fillRef>
+          <a:effectRef idx="0">
+            <a:schemeClr val="accent1"/>
+          </a:effectRef>
+          <a:fontRef idx="minor">
+            <a:schemeClr val="tx1"/>
+          </a:fontRef>
+        </p:style>
+        <p:txBody>
+          <a:bodyPr rtlCol="0" anchor="ctr"/>
+          <a:lstStyle/>
+          <a:p>
+            <a:pPr algn="ctr"/>
+            <a:endParaRPr lang="ko-KR" altLang="en-US"/>
+          </a:p>
+        </p:txBody>
+      </p:sp>
+      <p:sp>
+        <p:nvSpPr>
+          <p:cNvPr id="15" name="TextBox 14">
+            <a:extLst>
+              <a:ext uri="{FF2B5EF4-FFF2-40B4-BE49-F238E27FC236}">
+                <a16:creationId xmlns:a16="http://schemas.microsoft.com/office/drawing/2014/main" id="{320C29CF-944D-2EBE-275E-A72D4DAC7B52}"/>
+              </a:ext>
+            </a:extLst>
+          </p:cNvPr>
+          <p:cNvSpPr txBox="1"/>
+          <p:nvPr/>
+        </p:nvSpPr>
+        <p:spPr>
+          <a:xfrm>
+            <a:off x="856367" y="2425047"/>
+            <a:ext cx="806632" cy="430887"/>
+          </a:xfrm>
+          <a:prstGeom prst="rect">
+            <a:avLst/>
+          </a:prstGeom>
+          <a:noFill/>
+        </p:spPr>
+        <p:txBody>
+          <a:bodyPr wrap="none" rtlCol="0">
+            <a:spAutoFit/>
+          </a:bodyPr>
+          <a:lstStyle/>
+          <a:p>
+            <a:pPr algn="ctr"/>
+            <a:r>
+              <a:rPr lang="en-US" altLang="ko-KR" sz="1100"/>
+              <a:t>Scheme</a:t>
+            </a:r>
+          </a:p>
+          <a:p>
+            <a:pPr algn="ctr"/>
+            <a:r>
+              <a:rPr lang="en-US" altLang="ko-KR" sz="1100"/>
+              <a:t>(Protocol)</a:t>
+            </a:r>
+          </a:p>
+        </p:txBody>
+      </p:sp>
+      <p:sp>
+        <p:nvSpPr>
+          <p:cNvPr id="16" name="TextBox 15">
+            <a:extLst>
+              <a:ext uri="{FF2B5EF4-FFF2-40B4-BE49-F238E27FC236}">
+                <a16:creationId xmlns:a16="http://schemas.microsoft.com/office/drawing/2014/main" id="{34CDE6C1-290B-6F54-A08A-960B4FCF3D1B}"/>
+              </a:ext>
+            </a:extLst>
+          </p:cNvPr>
+          <p:cNvSpPr txBox="1"/>
+          <p:nvPr/>
+        </p:nvSpPr>
+        <p:spPr>
+          <a:xfrm>
+            <a:off x="1456270" y="1378257"/>
+            <a:ext cx="1046886" cy="430887"/>
+          </a:xfrm>
+          <a:prstGeom prst="rect">
+            <a:avLst/>
+          </a:prstGeom>
+          <a:noFill/>
+        </p:spPr>
+        <p:txBody>
+          <a:bodyPr wrap="square" rtlCol="0">
+            <a:spAutoFit/>
+          </a:bodyPr>
+          <a:lstStyle/>
+          <a:p>
+            <a:pPr algn="ctr"/>
+            <a:r>
+              <a:rPr lang="en-US" altLang="ko-KR" sz="1100"/>
+              <a:t>Subdomain / Host Name</a:t>
+            </a:r>
+          </a:p>
+        </p:txBody>
+      </p:sp>
+      <p:sp>
+        <p:nvSpPr>
+          <p:cNvPr id="17" name="TextBox 16">
+            <a:extLst>
+              <a:ext uri="{FF2B5EF4-FFF2-40B4-BE49-F238E27FC236}">
+                <a16:creationId xmlns:a16="http://schemas.microsoft.com/office/drawing/2014/main" id="{64647380-157E-943C-FAFA-8D4A99B38ECC}"/>
+              </a:ext>
+            </a:extLst>
+          </p:cNvPr>
+          <p:cNvSpPr txBox="1"/>
+          <p:nvPr/>
+        </p:nvSpPr>
+        <p:spPr>
+          <a:xfrm>
+            <a:off x="1943325" y="2406597"/>
+            <a:ext cx="1220206" cy="769441"/>
+          </a:xfrm>
+          <a:prstGeom prst="rect">
+            <a:avLst/>
+          </a:prstGeom>
+          <a:noFill/>
+        </p:spPr>
+        <p:txBody>
+          <a:bodyPr wrap="none" rtlCol="0">
+            <a:spAutoFit/>
+          </a:bodyPr>
+          <a:lstStyle/>
+          <a:p>
+            <a:pPr algn="ctr"/>
+            <a:r>
+              <a:rPr lang="en-US" altLang="ko-KR" sz="1100"/>
+              <a:t>Domain Name /</a:t>
+            </a:r>
+          </a:p>
+          <a:p>
+            <a:pPr algn="ctr"/>
+            <a:r>
+              <a:rPr lang="en-US" altLang="ko-KR" sz="1100"/>
+              <a:t>Second-level</a:t>
+            </a:r>
+          </a:p>
+          <a:p>
+            <a:pPr algn="ctr"/>
+            <a:r>
+              <a:rPr lang="en-US" altLang="ko-KR" sz="1100"/>
+              <a:t>Domain</a:t>
+            </a:r>
+          </a:p>
+          <a:p>
+            <a:pPr algn="ctr"/>
+            <a:endParaRPr lang="en-US" altLang="ko-KR" sz="1100"/>
+          </a:p>
+        </p:txBody>
+      </p:sp>
+      <p:sp>
+        <p:nvSpPr>
+          <p:cNvPr id="18" name="TextBox 17">
+            <a:extLst>
+              <a:ext uri="{FF2B5EF4-FFF2-40B4-BE49-F238E27FC236}">
+                <a16:creationId xmlns:a16="http://schemas.microsoft.com/office/drawing/2014/main" id="{C0BACC6A-8648-5CEB-EFFE-DD95BC5E7C71}"/>
+              </a:ext>
+            </a:extLst>
+          </p:cNvPr>
+          <p:cNvSpPr txBox="1"/>
+          <p:nvPr/>
+        </p:nvSpPr>
+        <p:spPr>
+          <a:xfrm>
+            <a:off x="3599100" y="1527909"/>
+            <a:ext cx="447558" cy="261610"/>
+          </a:xfrm>
+          <a:prstGeom prst="rect">
+            <a:avLst/>
+          </a:prstGeom>
+          <a:noFill/>
+        </p:spPr>
+        <p:txBody>
+          <a:bodyPr wrap="none" rtlCol="0">
+            <a:spAutoFit/>
+          </a:bodyPr>
+          <a:lstStyle/>
+          <a:p>
+            <a:pPr algn="ctr"/>
+            <a:r>
+              <a:rPr lang="en-US" altLang="ko-KR" sz="1100"/>
+              <a:t>Port</a:t>
+            </a:r>
+          </a:p>
+        </p:txBody>
+      </p:sp>
+      <p:sp>
+        <p:nvSpPr>
+          <p:cNvPr id="19" name="TextBox 18">
+            <a:extLst>
+              <a:ext uri="{FF2B5EF4-FFF2-40B4-BE49-F238E27FC236}">
+                <a16:creationId xmlns:a16="http://schemas.microsoft.com/office/drawing/2014/main" id="{A86AF040-C55A-C514-0984-C8A7312FF6EC}"/>
+              </a:ext>
+            </a:extLst>
+          </p:cNvPr>
+          <p:cNvSpPr txBox="1"/>
+          <p:nvPr/>
+        </p:nvSpPr>
+        <p:spPr>
+          <a:xfrm>
+            <a:off x="4209663" y="2425047"/>
+            <a:ext cx="1412567" cy="261610"/>
+          </a:xfrm>
+          <a:prstGeom prst="rect">
+            <a:avLst/>
+          </a:prstGeom>
+          <a:noFill/>
+        </p:spPr>
+        <p:txBody>
+          <a:bodyPr wrap="none" rtlCol="0">
+            <a:spAutoFit/>
+          </a:bodyPr>
+          <a:lstStyle/>
+          <a:p>
+            <a:pPr algn="ctr"/>
+            <a:r>
+              <a:rPr lang="en-US" altLang="ko-KR" sz="1100"/>
+              <a:t>Subdirectory (Path)</a:t>
+            </a:r>
+          </a:p>
+        </p:txBody>
+      </p:sp>
+      <p:sp>
+        <p:nvSpPr>
+          <p:cNvPr id="20" name="TextBox 19">
+            <a:extLst>
+              <a:ext uri="{FF2B5EF4-FFF2-40B4-BE49-F238E27FC236}">
+                <a16:creationId xmlns:a16="http://schemas.microsoft.com/office/drawing/2014/main" id="{98C43EA5-1550-454A-FD90-A0F3FAA0A35B}"/>
+              </a:ext>
+            </a:extLst>
+          </p:cNvPr>
+          <p:cNvSpPr txBox="1"/>
+          <p:nvPr/>
+        </p:nvSpPr>
+        <p:spPr>
+          <a:xfrm>
+            <a:off x="6610199" y="2425047"/>
+            <a:ext cx="995786" cy="261610"/>
+          </a:xfrm>
+          <a:prstGeom prst="rect">
+            <a:avLst/>
+          </a:prstGeom>
+          <a:noFill/>
+        </p:spPr>
+        <p:txBody>
+          <a:bodyPr wrap="none" rtlCol="0">
+            <a:spAutoFit/>
+          </a:bodyPr>
+          <a:lstStyle/>
+          <a:p>
+            <a:pPr algn="ctr"/>
+            <a:r>
+              <a:rPr lang="en-US" altLang="ko-KR" sz="1100"/>
+              <a:t>Query String</a:t>
+            </a:r>
+          </a:p>
+        </p:txBody>
+      </p:sp>
+      <p:sp>
+        <p:nvSpPr>
+          <p:cNvPr id="21" name="TextBox 20">
+            <a:extLst>
+              <a:ext uri="{FF2B5EF4-FFF2-40B4-BE49-F238E27FC236}">
+                <a16:creationId xmlns:a16="http://schemas.microsoft.com/office/drawing/2014/main" id="{93521336-24D6-B732-202F-2CFA82C23B03}"/>
+              </a:ext>
+            </a:extLst>
+          </p:cNvPr>
+          <p:cNvSpPr txBox="1"/>
+          <p:nvPr/>
+        </p:nvSpPr>
+        <p:spPr>
+          <a:xfrm>
+            <a:off x="2747217" y="1402604"/>
+            <a:ext cx="777778" cy="430887"/>
+          </a:xfrm>
+          <a:prstGeom prst="rect">
+            <a:avLst/>
+          </a:prstGeom>
+          <a:noFill/>
+        </p:spPr>
+        <p:txBody>
+          <a:bodyPr wrap="none" rtlCol="0">
+            <a:spAutoFit/>
+          </a:bodyPr>
+          <a:lstStyle/>
+          <a:p>
+            <a:pPr algn="ctr"/>
+            <a:r>
+              <a:rPr lang="en-US" altLang="ko-KR" sz="1100"/>
+              <a:t>Top-level</a:t>
+            </a:r>
+          </a:p>
+          <a:p>
+            <a:pPr algn="ctr"/>
+            <a:r>
+              <a:rPr lang="en-US" altLang="ko-KR" sz="1100"/>
+              <a:t>Domain</a:t>
+            </a:r>
+          </a:p>
+        </p:txBody>
+      </p:sp>
+      <p:sp>
+        <p:nvSpPr>
+          <p:cNvPr id="23" name="TextBox 22">
+            <a:extLst>
+              <a:ext uri="{FF2B5EF4-FFF2-40B4-BE49-F238E27FC236}">
+                <a16:creationId xmlns:a16="http://schemas.microsoft.com/office/drawing/2014/main" id="{CC883E40-B72A-6FB8-791B-653E90134598}"/>
+              </a:ext>
+            </a:extLst>
+          </p:cNvPr>
+          <p:cNvSpPr txBox="1"/>
+          <p:nvPr/>
+        </p:nvSpPr>
+        <p:spPr>
+          <a:xfrm>
+            <a:off x="2988784" y="2406597"/>
+            <a:ext cx="910827" cy="600164"/>
+          </a:xfrm>
+          <a:prstGeom prst="rect">
+            <a:avLst/>
+          </a:prstGeom>
+          <a:noFill/>
+        </p:spPr>
+        <p:txBody>
+          <a:bodyPr wrap="none" rtlCol="0">
+            <a:spAutoFit/>
+          </a:bodyPr>
+          <a:lstStyle/>
+          <a:p>
+            <a:pPr algn="ctr"/>
+            <a:r>
+              <a:rPr lang="en-US" altLang="ko-KR" sz="1100"/>
+              <a:t>Root</a:t>
+            </a:r>
+          </a:p>
+          <a:p>
+            <a:pPr algn="ctr"/>
+            <a:r>
+              <a:rPr lang="en-US" altLang="ko-KR" sz="1100"/>
+              <a:t>Domain</a:t>
+            </a:r>
+          </a:p>
+          <a:p>
+            <a:pPr algn="ctr"/>
+            <a:r>
+              <a:rPr lang="en-US" altLang="ko-KR" sz="1100"/>
+              <a:t>(DNS View)</a:t>
+            </a:r>
+          </a:p>
+        </p:txBody>
+      </p:sp>
+      <p:sp>
+        <p:nvSpPr>
+          <p:cNvPr id="24" name="왼쪽 중괄호 23">
+            <a:extLst>
+              <a:ext uri="{FF2B5EF4-FFF2-40B4-BE49-F238E27FC236}">
+                <a16:creationId xmlns:a16="http://schemas.microsoft.com/office/drawing/2014/main" id="{968235F6-9212-1DB8-5685-4D348C61DEE6}"/>
+              </a:ext>
+            </a:extLst>
+          </p:cNvPr>
+          <p:cNvSpPr/>
+          <p:nvPr/>
+        </p:nvSpPr>
+        <p:spPr>
+          <a:xfrm rot="16200000">
+            <a:off x="3372190" y="2294487"/>
+            <a:ext cx="144016" cy="141061"/>
+          </a:xfrm>
+          <a:prstGeom prst="leftBrace">
+            <a:avLst/>
+          </a:prstGeom>
+          <a:ln w="12700">
+            <a:solidFill>
+              <a:schemeClr val="tx1"/>
+            </a:solidFill>
+          </a:ln>
+        </p:spPr>
+        <p:style>
+          <a:lnRef idx="1">
+            <a:schemeClr val="accent1"/>
+          </a:lnRef>
+          <a:fillRef idx="0">
+            <a:schemeClr val="accent1"/>
+          </a:fillRef>
+          <a:effectRef idx="0">
+            <a:schemeClr val="accent1"/>
+          </a:effectRef>
+          <a:fontRef idx="minor">
+            <a:schemeClr val="tx1"/>
+          </a:fontRef>
+        </p:style>
+        <p:txBody>
+          <a:bodyPr rtlCol="0" anchor="ctr"/>
+          <a:lstStyle/>
+          <a:p>
+            <a:pPr algn="ctr"/>
+            <a:endParaRPr lang="ko-KR" altLang="en-US"/>
+          </a:p>
+        </p:txBody>
+      </p:sp>
+      <p:sp>
+        <p:nvSpPr>
+          <p:cNvPr id="2" name="왼쪽 중괄호 23">
+            <a:extLst>
+              <a:ext uri="{FF2B5EF4-FFF2-40B4-BE49-F238E27FC236}">
+                <a16:creationId xmlns:a16="http://schemas.microsoft.com/office/drawing/2014/main" id="{EBACCA79-54CB-49B7-74F0-B01533533345}"/>
+              </a:ext>
+            </a:extLst>
+          </p:cNvPr>
+          <p:cNvSpPr/>
+          <p:nvPr/>
+        </p:nvSpPr>
+        <p:spPr>
+          <a:xfrm rot="16200000">
+            <a:off x="2819230" y="2467908"/>
+            <a:ext cx="144016" cy="1246982"/>
+          </a:xfrm>
+          <a:prstGeom prst="leftBrace">
+            <a:avLst/>
+          </a:prstGeom>
+          <a:ln w="12700">
+            <a:solidFill>
+              <a:schemeClr val="tx1"/>
+            </a:solidFill>
+          </a:ln>
+        </p:spPr>
+        <p:style>
+          <a:lnRef idx="1">
+            <a:schemeClr val="accent1"/>
+          </a:lnRef>
+          <a:fillRef idx="0">
+            <a:schemeClr val="accent1"/>
+          </a:fillRef>
+          <a:effectRef idx="0">
+            <a:schemeClr val="accent1"/>
+          </a:effectRef>
+          <a:fontRef idx="minor">
+            <a:schemeClr val="tx1"/>
+          </a:fontRef>
+        </p:style>
+        <p:txBody>
+          <a:bodyPr rtlCol="0" anchor="ctr"/>
+          <a:lstStyle/>
+          <a:p>
+            <a:pPr algn="ctr"/>
+            <a:endParaRPr lang="ko-KR" altLang="en-US"/>
+          </a:p>
+        </p:txBody>
+      </p:sp>
+      <p:sp>
+        <p:nvSpPr>
+          <p:cNvPr id="4" name="TextBox 3">
+            <a:extLst>
+              <a:ext uri="{FF2B5EF4-FFF2-40B4-BE49-F238E27FC236}">
+                <a16:creationId xmlns:a16="http://schemas.microsoft.com/office/drawing/2014/main" id="{FED3D2A1-8399-7E97-A670-426E110A7BBB}"/>
+              </a:ext>
+            </a:extLst>
+          </p:cNvPr>
+          <p:cNvSpPr txBox="1"/>
+          <p:nvPr/>
+        </p:nvSpPr>
+        <p:spPr>
+          <a:xfrm>
+            <a:off x="1892939" y="3141481"/>
+            <a:ext cx="2006672" cy="430887"/>
+          </a:xfrm>
+          <a:prstGeom prst="rect">
+            <a:avLst/>
+          </a:prstGeom>
+          <a:noFill/>
+        </p:spPr>
+        <p:txBody>
+          <a:bodyPr wrap="square" rtlCol="0">
+            <a:spAutoFit/>
+          </a:bodyPr>
+          <a:lstStyle/>
+          <a:p>
+            <a:pPr algn="ctr"/>
+            <a:r>
+              <a:rPr lang="en-US" altLang="ko-KR" sz="1100"/>
+              <a:t>Root Domain </a:t>
+            </a:r>
+            <a:br>
+              <a:rPr lang="en-US" altLang="ko-KR" sz="1100"/>
+            </a:br>
+            <a:r>
+              <a:rPr lang="en-US" altLang="ko-KR" sz="1100"/>
+              <a:t>(Common)</a:t>
+            </a:r>
+          </a:p>
+        </p:txBody>
+      </p:sp>
+    </p:spTree>
+    <p:extLst>
+      <p:ext uri="{BB962C8B-B14F-4D97-AF65-F5344CB8AC3E}">
+        <p14:creationId xmlns:p14="http://schemas.microsoft.com/office/powerpoint/2010/main" val="1778769248"/>
+      </p:ext>
+    </p:extLst>
+  </p:cSld>
+  <p:clrMapOvr>
+    <a:masterClrMapping/>
+  </p:clrMapOvr>
+</p:sld>
+</file>
+
+<file path=ppt/slides/slide6.xml><?xml version="1.0" encoding="utf-8"?>
+<p:sld xmlns:a="http://schemas.openxmlformats.org/drawingml/2006/main" xmlns:r="http://schemas.openxmlformats.org/officeDocument/2006/relationships" xmlns:p="http://schemas.openxmlformats.org/presentationml/2006/main">
+  <p:cSld>
+    <p:spTree>
+      <p:nvGrpSpPr>
+        <p:cNvPr id="1" name=""/>
+        <p:cNvGrpSpPr/>
+        <p:nvPr/>
+      </p:nvGrpSpPr>
+      <p:grpSpPr>
+        <a:xfrm>
+          <a:off x="0" y="0"/>
+          <a:ext cx="0" cy="0"/>
+          <a:chOff x="0" y="0"/>
+          <a:chExt cx="0" cy="0"/>
+        </a:xfrm>
+      </p:grpSpPr>
+      <p:sp>
+        <p:nvSpPr>
+          <p:cNvPr id="8" name="TextBox 7">
+            <a:extLst>
+              <a:ext uri="{FF2B5EF4-FFF2-40B4-BE49-F238E27FC236}">
+                <a16:creationId xmlns:a16="http://schemas.microsoft.com/office/drawing/2014/main" id="{1B2B900A-0103-5A60-8945-7A0D31237398}"/>
+              </a:ext>
+            </a:extLst>
+          </p:cNvPr>
+          <p:cNvSpPr txBox="1"/>
+          <p:nvPr/>
+        </p:nvSpPr>
+        <p:spPr>
+          <a:xfrm>
+            <a:off x="899592" y="1923678"/>
+            <a:ext cx="7709098" cy="369332"/>
+          </a:xfrm>
+          <a:prstGeom prst="rect">
+            <a:avLst/>
+          </a:prstGeom>
+          <a:noFill/>
+        </p:spPr>
+        <p:txBody>
+          <a:bodyPr wrap="none" rtlCol="0">
+            <a:spAutoFit/>
+          </a:bodyPr>
+          <a:lstStyle/>
+          <a:p>
+            <a:r>
+              <a:rPr lang="en-US" altLang="ko-KR"/>
+              <a:t>https://blog.ssup2.com</a:t>
+            </a:r>
+            <a:r>
+              <a:rPr lang="en-US" altLang="ko-KR">
+                <a:solidFill>
+                  <a:schemeClr val="bg1">
+                    <a:lumMod val="65000"/>
+                  </a:schemeClr>
+                </a:solidFill>
+              </a:rPr>
+              <a:t>(.)(:443)</a:t>
+            </a:r>
+            <a:r>
+              <a:rPr lang="en-US" altLang="ko-KR"/>
+              <a:t>/posts/software?author=ssup2&amp;tag=cloud</a:t>
+            </a:r>
+            <a:endParaRPr lang="ko-KR" altLang="en-US"/>
+          </a:p>
+        </p:txBody>
+      </p:sp>
+      <p:sp>
+        <p:nvSpPr>
+          <p:cNvPr id="3" name="왼쪽 중괄호 2">
+            <a:extLst>
+              <a:ext uri="{FF2B5EF4-FFF2-40B4-BE49-F238E27FC236}">
+                <a16:creationId xmlns:a16="http://schemas.microsoft.com/office/drawing/2014/main" id="{37773CCF-83EF-59C0-06DB-BACA080690E2}"/>
+              </a:ext>
+            </a:extLst>
+          </p:cNvPr>
+          <p:cNvSpPr/>
+          <p:nvPr/>
+        </p:nvSpPr>
+        <p:spPr>
+          <a:xfrm rot="16200000">
+            <a:off x="1187676" y="2119749"/>
+            <a:ext cx="144016" cy="490538"/>
+          </a:xfrm>
+          <a:prstGeom prst="leftBrace">
+            <a:avLst/>
+          </a:prstGeom>
+          <a:ln w="12700">
+            <a:solidFill>
+              <a:schemeClr val="tx1"/>
+            </a:solidFill>
+          </a:ln>
+        </p:spPr>
+        <p:style>
+          <a:lnRef idx="1">
+            <a:schemeClr val="accent1"/>
+          </a:lnRef>
+          <a:fillRef idx="0">
+            <a:schemeClr val="accent1"/>
+          </a:fillRef>
+          <a:effectRef idx="0">
+            <a:schemeClr val="accent1"/>
+          </a:effectRef>
+          <a:fontRef idx="minor">
+            <a:schemeClr val="tx1"/>
+          </a:fontRef>
+        </p:style>
+        <p:txBody>
+          <a:bodyPr rtlCol="0" anchor="ctr"/>
+          <a:lstStyle/>
+          <a:p>
+            <a:pPr algn="ctr"/>
+            <a:endParaRPr lang="ko-KR" altLang="en-US"/>
+          </a:p>
+        </p:txBody>
+      </p:sp>
+      <p:sp>
+        <p:nvSpPr>
+          <p:cNvPr id="9" name="왼쪽 중괄호 8">
+            <a:extLst>
+              <a:ext uri="{FF2B5EF4-FFF2-40B4-BE49-F238E27FC236}">
+                <a16:creationId xmlns:a16="http://schemas.microsoft.com/office/drawing/2014/main" id="{9A404401-E9CC-F5F4-3940-3C0DC1EC0B2B}"/>
+              </a:ext>
+            </a:extLst>
+          </p:cNvPr>
+          <p:cNvSpPr/>
+          <p:nvPr/>
+        </p:nvSpPr>
+        <p:spPr>
+          <a:xfrm rot="5400000">
+            <a:off x="1907704" y="1645504"/>
+            <a:ext cx="144016" cy="432048"/>
+          </a:xfrm>
+          <a:prstGeom prst="leftBrace">
+            <a:avLst/>
+          </a:prstGeom>
+          <a:ln w="12700">
+            <a:solidFill>
+              <a:schemeClr val="tx1"/>
+            </a:solidFill>
+          </a:ln>
+        </p:spPr>
+        <p:style>
+          <a:lnRef idx="1">
+            <a:schemeClr val="accent1"/>
+          </a:lnRef>
+          <a:fillRef idx="0">
+            <a:schemeClr val="accent1"/>
+          </a:fillRef>
+          <a:effectRef idx="0">
+            <a:schemeClr val="accent1"/>
+          </a:effectRef>
+          <a:fontRef idx="minor">
+            <a:schemeClr val="tx1"/>
+          </a:fontRef>
+        </p:style>
+        <p:txBody>
+          <a:bodyPr rtlCol="0" anchor="ctr"/>
+          <a:lstStyle/>
+          <a:p>
+            <a:pPr algn="ctr"/>
+            <a:endParaRPr lang="ko-KR" altLang="en-US"/>
+          </a:p>
+        </p:txBody>
+      </p:sp>
+      <p:sp>
+        <p:nvSpPr>
+          <p:cNvPr id="10" name="왼쪽 중괄호 9">
+            <a:extLst>
+              <a:ext uri="{FF2B5EF4-FFF2-40B4-BE49-F238E27FC236}">
+                <a16:creationId xmlns:a16="http://schemas.microsoft.com/office/drawing/2014/main" id="{A3BDC451-2F72-7970-C632-785D9DCD1B05}"/>
+              </a:ext>
+            </a:extLst>
+          </p:cNvPr>
+          <p:cNvSpPr/>
+          <p:nvPr/>
+        </p:nvSpPr>
+        <p:spPr>
+          <a:xfrm rot="16200000">
+            <a:off x="2483768" y="2076986"/>
+            <a:ext cx="144016" cy="576064"/>
+          </a:xfrm>
+          <a:prstGeom prst="leftBrace">
+            <a:avLst/>
+          </a:prstGeom>
+          <a:ln w="12700">
+            <a:solidFill>
+              <a:schemeClr val="tx1"/>
+            </a:solidFill>
+          </a:ln>
+        </p:spPr>
+        <p:style>
+          <a:lnRef idx="1">
+            <a:schemeClr val="accent1"/>
+          </a:lnRef>
+          <a:fillRef idx="0">
+            <a:schemeClr val="accent1"/>
+          </a:fillRef>
+          <a:effectRef idx="0">
+            <a:schemeClr val="accent1"/>
+          </a:effectRef>
+          <a:fontRef idx="minor">
+            <a:schemeClr val="tx1"/>
+          </a:fontRef>
+        </p:style>
+        <p:txBody>
+          <a:bodyPr rtlCol="0" anchor="ctr"/>
+          <a:lstStyle/>
+          <a:p>
+            <a:pPr algn="ctr"/>
+            <a:endParaRPr lang="ko-KR" altLang="en-US"/>
+          </a:p>
+        </p:txBody>
+      </p:sp>
+      <p:sp>
+        <p:nvSpPr>
+          <p:cNvPr id="11" name="왼쪽 중괄호 10">
+            <a:extLst>
+              <a:ext uri="{FF2B5EF4-FFF2-40B4-BE49-F238E27FC236}">
+                <a16:creationId xmlns:a16="http://schemas.microsoft.com/office/drawing/2014/main" id="{AE9F6E65-2E5A-C268-0DC1-15443A7C089A}"/>
+              </a:ext>
+            </a:extLst>
+          </p:cNvPr>
+          <p:cNvSpPr/>
+          <p:nvPr/>
+        </p:nvSpPr>
+        <p:spPr>
+          <a:xfrm rot="5400000">
+            <a:off x="3064098" y="1663884"/>
+            <a:ext cx="144016" cy="395287"/>
+          </a:xfrm>
+          <a:prstGeom prst="leftBrace">
+            <a:avLst/>
+          </a:prstGeom>
+          <a:ln w="12700">
+            <a:solidFill>
+              <a:schemeClr val="tx1"/>
+            </a:solidFill>
+          </a:ln>
+        </p:spPr>
+        <p:style>
+          <a:lnRef idx="1">
+            <a:schemeClr val="accent1"/>
+          </a:lnRef>
+          <a:fillRef idx="0">
+            <a:schemeClr val="accent1"/>
+          </a:fillRef>
+          <a:effectRef idx="0">
+            <a:schemeClr val="accent1"/>
+          </a:effectRef>
+          <a:fontRef idx="minor">
+            <a:schemeClr val="tx1"/>
+          </a:fontRef>
+        </p:style>
+        <p:txBody>
+          <a:bodyPr rtlCol="0" anchor="ctr"/>
+          <a:lstStyle/>
+          <a:p>
+            <a:pPr algn="ctr"/>
+            <a:endParaRPr lang="ko-KR" altLang="en-US"/>
+          </a:p>
+        </p:txBody>
+      </p:sp>
+      <p:sp>
+        <p:nvSpPr>
+          <p:cNvPr id="12" name="왼쪽 중괄호 11">
+            <a:extLst>
+              <a:ext uri="{FF2B5EF4-FFF2-40B4-BE49-F238E27FC236}">
+                <a16:creationId xmlns:a16="http://schemas.microsoft.com/office/drawing/2014/main" id="{D0CCDFC4-C092-B98A-C9AE-15DF447F3A1C}"/>
+              </a:ext>
+            </a:extLst>
+          </p:cNvPr>
+          <p:cNvSpPr/>
+          <p:nvPr/>
+        </p:nvSpPr>
+        <p:spPr>
+          <a:xfrm rot="5400000">
+            <a:off x="3750871" y="1611725"/>
+            <a:ext cx="144016" cy="490135"/>
+          </a:xfrm>
+          <a:prstGeom prst="leftBrace">
+            <a:avLst/>
+          </a:prstGeom>
+          <a:ln w="12700">
+            <a:solidFill>
+              <a:schemeClr val="tx1"/>
+            </a:solidFill>
+          </a:ln>
+        </p:spPr>
+        <p:style>
+          <a:lnRef idx="1">
+            <a:schemeClr val="accent1"/>
+          </a:lnRef>
+          <a:fillRef idx="0">
+            <a:schemeClr val="accent1"/>
+          </a:fillRef>
+          <a:effectRef idx="0">
+            <a:schemeClr val="accent1"/>
+          </a:effectRef>
+          <a:fontRef idx="minor">
+            <a:schemeClr val="tx1"/>
+          </a:fontRef>
+        </p:style>
+        <p:txBody>
+          <a:bodyPr rtlCol="0" anchor="ctr"/>
+          <a:lstStyle/>
+          <a:p>
+            <a:pPr algn="ctr"/>
+            <a:endParaRPr lang="ko-KR" altLang="en-US"/>
+          </a:p>
+        </p:txBody>
+      </p:sp>
+      <p:sp>
+        <p:nvSpPr>
+          <p:cNvPr id="13" name="왼쪽 중괄호 12">
+            <a:extLst>
+              <a:ext uri="{FF2B5EF4-FFF2-40B4-BE49-F238E27FC236}">
+                <a16:creationId xmlns:a16="http://schemas.microsoft.com/office/drawing/2014/main" id="{A2FE5D90-28EC-ECFD-32AC-79DE0F3BBCEA}"/>
+              </a:ext>
+            </a:extLst>
+          </p:cNvPr>
+          <p:cNvSpPr/>
+          <p:nvPr/>
+        </p:nvSpPr>
+        <p:spPr>
+          <a:xfrm rot="16200000">
+            <a:off x="4839740" y="1576069"/>
+            <a:ext cx="144016" cy="1577900"/>
+          </a:xfrm>
+          <a:prstGeom prst="leftBrace">
+            <a:avLst/>
+          </a:prstGeom>
+          <a:ln w="12700">
+            <a:solidFill>
+              <a:schemeClr val="tx1"/>
+            </a:solidFill>
+          </a:ln>
+        </p:spPr>
+        <p:style>
+          <a:lnRef idx="1">
+            <a:schemeClr val="accent1"/>
+          </a:lnRef>
+          <a:fillRef idx="0">
+            <a:schemeClr val="accent1"/>
+          </a:fillRef>
+          <a:effectRef idx="0">
+            <a:schemeClr val="accent1"/>
+          </a:effectRef>
+          <a:fontRef idx="minor">
+            <a:schemeClr val="tx1"/>
+          </a:fontRef>
+        </p:style>
+        <p:txBody>
+          <a:bodyPr rtlCol="0" anchor="ctr"/>
+          <a:lstStyle/>
+          <a:p>
+            <a:pPr algn="ctr"/>
+            <a:endParaRPr lang="ko-KR" altLang="en-US"/>
+          </a:p>
+        </p:txBody>
+      </p:sp>
+      <p:sp>
+        <p:nvSpPr>
+          <p:cNvPr id="14" name="왼쪽 중괄호 13">
+            <a:extLst>
+              <a:ext uri="{FF2B5EF4-FFF2-40B4-BE49-F238E27FC236}">
+                <a16:creationId xmlns:a16="http://schemas.microsoft.com/office/drawing/2014/main" id="{99F831F8-93FD-090C-0A13-29CE090AB7F5}"/>
+              </a:ext>
+            </a:extLst>
+          </p:cNvPr>
+          <p:cNvSpPr/>
+          <p:nvPr/>
+        </p:nvSpPr>
+        <p:spPr>
+          <a:xfrm rot="16200000">
+            <a:off x="7036084" y="987862"/>
+            <a:ext cx="144016" cy="2754314"/>
+          </a:xfrm>
+          <a:prstGeom prst="leftBrace">
+            <a:avLst/>
+          </a:prstGeom>
+          <a:ln w="12700">
+            <a:solidFill>
+              <a:schemeClr val="tx1"/>
+            </a:solidFill>
+          </a:ln>
+        </p:spPr>
+        <p:style>
+          <a:lnRef idx="1">
+            <a:schemeClr val="accent1"/>
+          </a:lnRef>
+          <a:fillRef idx="0">
+            <a:schemeClr val="accent1"/>
+          </a:fillRef>
+          <a:effectRef idx="0">
+            <a:schemeClr val="accent1"/>
+          </a:effectRef>
+          <a:fontRef idx="minor">
+            <a:schemeClr val="tx1"/>
+          </a:fontRef>
+        </p:style>
+        <p:txBody>
+          <a:bodyPr rtlCol="0" anchor="ctr"/>
+          <a:lstStyle/>
+          <a:p>
+            <a:pPr algn="ctr"/>
+            <a:endParaRPr lang="ko-KR" altLang="en-US"/>
+          </a:p>
+        </p:txBody>
+      </p:sp>
+      <p:sp>
+        <p:nvSpPr>
+          <p:cNvPr id="15" name="TextBox 14">
+            <a:extLst>
+              <a:ext uri="{FF2B5EF4-FFF2-40B4-BE49-F238E27FC236}">
+                <a16:creationId xmlns:a16="http://schemas.microsoft.com/office/drawing/2014/main" id="{320C29CF-944D-2EBE-275E-A72D4DAC7B52}"/>
+              </a:ext>
+            </a:extLst>
+          </p:cNvPr>
+          <p:cNvSpPr txBox="1"/>
+          <p:nvPr/>
+        </p:nvSpPr>
+        <p:spPr>
+          <a:xfrm>
+            <a:off x="856367" y="2425047"/>
+            <a:ext cx="806632" cy="430887"/>
+          </a:xfrm>
+          <a:prstGeom prst="rect">
+            <a:avLst/>
+          </a:prstGeom>
+          <a:noFill/>
+        </p:spPr>
+        <p:txBody>
+          <a:bodyPr wrap="none" rtlCol="0">
+            <a:spAutoFit/>
+          </a:bodyPr>
+          <a:lstStyle/>
+          <a:p>
+            <a:pPr algn="ctr"/>
+            <a:r>
+              <a:rPr lang="en-US" altLang="ko-KR" sz="1100"/>
+              <a:t>Scheme</a:t>
+            </a:r>
+          </a:p>
+          <a:p>
+            <a:pPr algn="ctr"/>
+            <a:r>
+              <a:rPr lang="en-US" altLang="ko-KR" sz="1100"/>
+              <a:t>(Protocol)</a:t>
+            </a:r>
+          </a:p>
+        </p:txBody>
+      </p:sp>
+      <p:sp>
+        <p:nvSpPr>
+          <p:cNvPr id="16" name="TextBox 15">
+            <a:extLst>
+              <a:ext uri="{FF2B5EF4-FFF2-40B4-BE49-F238E27FC236}">
+                <a16:creationId xmlns:a16="http://schemas.microsoft.com/office/drawing/2014/main" id="{34CDE6C1-290B-6F54-A08A-960B4FCF3D1B}"/>
+              </a:ext>
+            </a:extLst>
+          </p:cNvPr>
+          <p:cNvSpPr txBox="1"/>
+          <p:nvPr/>
+        </p:nvSpPr>
+        <p:spPr>
+          <a:xfrm>
+            <a:off x="1523498" y="1564186"/>
+            <a:ext cx="912430" cy="261610"/>
+          </a:xfrm>
+          <a:prstGeom prst="rect">
+            <a:avLst/>
+          </a:prstGeom>
+          <a:noFill/>
+        </p:spPr>
+        <p:txBody>
+          <a:bodyPr wrap="square" rtlCol="0">
+            <a:spAutoFit/>
+          </a:bodyPr>
+          <a:lstStyle/>
+          <a:p>
+            <a:pPr algn="ctr"/>
+            <a:r>
+              <a:rPr lang="en-US" altLang="ko-KR" sz="1100"/>
+              <a:t>Subdomain</a:t>
+            </a:r>
+          </a:p>
+        </p:txBody>
+      </p:sp>
+      <p:sp>
+        <p:nvSpPr>
+          <p:cNvPr id="17" name="TextBox 16">
+            <a:extLst>
+              <a:ext uri="{FF2B5EF4-FFF2-40B4-BE49-F238E27FC236}">
+                <a16:creationId xmlns:a16="http://schemas.microsoft.com/office/drawing/2014/main" id="{64647380-157E-943C-FAFA-8D4A99B38ECC}"/>
+              </a:ext>
+            </a:extLst>
+          </p:cNvPr>
+          <p:cNvSpPr txBox="1"/>
+          <p:nvPr/>
+        </p:nvSpPr>
+        <p:spPr>
+          <a:xfrm>
+            <a:off x="2051525" y="2406597"/>
+            <a:ext cx="1003801" cy="430887"/>
+          </a:xfrm>
+          <a:prstGeom prst="rect">
+            <a:avLst/>
+          </a:prstGeom>
+          <a:noFill/>
+        </p:spPr>
+        <p:txBody>
+          <a:bodyPr wrap="none" rtlCol="0">
+            <a:spAutoFit/>
+          </a:bodyPr>
+          <a:lstStyle/>
+          <a:p>
+            <a:pPr algn="ctr"/>
+            <a:r>
+              <a:rPr lang="en-US" altLang="ko-KR" sz="1100"/>
+              <a:t>Second-level</a:t>
+            </a:r>
+          </a:p>
+          <a:p>
+            <a:pPr algn="ctr"/>
+            <a:r>
+              <a:rPr lang="en-US" altLang="ko-KR" sz="1100"/>
+              <a:t>Domain</a:t>
+            </a:r>
+          </a:p>
+        </p:txBody>
+      </p:sp>
+      <p:sp>
+        <p:nvSpPr>
+          <p:cNvPr id="18" name="TextBox 17">
+            <a:extLst>
+              <a:ext uri="{FF2B5EF4-FFF2-40B4-BE49-F238E27FC236}">
+                <a16:creationId xmlns:a16="http://schemas.microsoft.com/office/drawing/2014/main" id="{C0BACC6A-8648-5CEB-EFFE-DD95BC5E7C71}"/>
+              </a:ext>
+            </a:extLst>
+          </p:cNvPr>
+          <p:cNvSpPr txBox="1"/>
+          <p:nvPr/>
+        </p:nvSpPr>
+        <p:spPr>
+          <a:xfrm>
+            <a:off x="3599100" y="1527909"/>
+            <a:ext cx="447558" cy="261610"/>
+          </a:xfrm>
+          <a:prstGeom prst="rect">
+            <a:avLst/>
+          </a:prstGeom>
+          <a:noFill/>
+        </p:spPr>
+        <p:txBody>
+          <a:bodyPr wrap="none" rtlCol="0">
+            <a:spAutoFit/>
+          </a:bodyPr>
+          <a:lstStyle/>
+          <a:p>
+            <a:pPr algn="ctr"/>
+            <a:r>
+              <a:rPr lang="en-US" altLang="ko-KR" sz="1100"/>
+              <a:t>Port</a:t>
+            </a:r>
+          </a:p>
+        </p:txBody>
+      </p:sp>
+      <p:sp>
+        <p:nvSpPr>
+          <p:cNvPr id="19" name="TextBox 18">
+            <a:extLst>
+              <a:ext uri="{FF2B5EF4-FFF2-40B4-BE49-F238E27FC236}">
+                <a16:creationId xmlns:a16="http://schemas.microsoft.com/office/drawing/2014/main" id="{A86AF040-C55A-C514-0984-C8A7312FF6EC}"/>
+              </a:ext>
+            </a:extLst>
+          </p:cNvPr>
+          <p:cNvSpPr txBox="1"/>
+          <p:nvPr/>
+        </p:nvSpPr>
+        <p:spPr>
+          <a:xfrm>
+            <a:off x="4209663" y="2425047"/>
+            <a:ext cx="1412567" cy="261610"/>
+          </a:xfrm>
+          <a:prstGeom prst="rect">
+            <a:avLst/>
+          </a:prstGeom>
+          <a:noFill/>
+        </p:spPr>
+        <p:txBody>
+          <a:bodyPr wrap="none" rtlCol="0">
+            <a:spAutoFit/>
+          </a:bodyPr>
+          <a:lstStyle/>
+          <a:p>
+            <a:pPr algn="ctr"/>
+            <a:r>
+              <a:rPr lang="en-US" altLang="ko-KR" sz="1100"/>
+              <a:t>Subdirectory (Path)</a:t>
+            </a:r>
+          </a:p>
+        </p:txBody>
+      </p:sp>
+      <p:sp>
+        <p:nvSpPr>
+          <p:cNvPr id="20" name="TextBox 19">
+            <a:extLst>
+              <a:ext uri="{FF2B5EF4-FFF2-40B4-BE49-F238E27FC236}">
+                <a16:creationId xmlns:a16="http://schemas.microsoft.com/office/drawing/2014/main" id="{98C43EA5-1550-454A-FD90-A0F3FAA0A35B}"/>
+              </a:ext>
+            </a:extLst>
+          </p:cNvPr>
+          <p:cNvSpPr txBox="1"/>
+          <p:nvPr/>
+        </p:nvSpPr>
+        <p:spPr>
+          <a:xfrm>
+            <a:off x="6610199" y="2425047"/>
+            <a:ext cx="995786" cy="261610"/>
+          </a:xfrm>
+          <a:prstGeom prst="rect">
+            <a:avLst/>
+          </a:prstGeom>
+          <a:noFill/>
+        </p:spPr>
+        <p:txBody>
+          <a:bodyPr wrap="none" rtlCol="0">
+            <a:spAutoFit/>
+          </a:bodyPr>
+          <a:lstStyle/>
+          <a:p>
+            <a:pPr algn="ctr"/>
+            <a:r>
+              <a:rPr lang="en-US" altLang="ko-KR" sz="1100"/>
+              <a:t>Query String</a:t>
+            </a:r>
+          </a:p>
+        </p:txBody>
+      </p:sp>
+      <p:sp>
+        <p:nvSpPr>
+          <p:cNvPr id="21" name="TextBox 20">
+            <a:extLst>
+              <a:ext uri="{FF2B5EF4-FFF2-40B4-BE49-F238E27FC236}">
+                <a16:creationId xmlns:a16="http://schemas.microsoft.com/office/drawing/2014/main" id="{93521336-24D6-B732-202F-2CFA82C23B03}"/>
+              </a:ext>
+            </a:extLst>
+          </p:cNvPr>
+          <p:cNvSpPr txBox="1"/>
+          <p:nvPr/>
+        </p:nvSpPr>
+        <p:spPr>
+          <a:xfrm>
+            <a:off x="2747217" y="1402604"/>
+            <a:ext cx="777778" cy="430887"/>
+          </a:xfrm>
+          <a:prstGeom prst="rect">
+            <a:avLst/>
+          </a:prstGeom>
+          <a:noFill/>
+        </p:spPr>
+        <p:txBody>
+          <a:bodyPr wrap="none" rtlCol="0">
+            <a:spAutoFit/>
+          </a:bodyPr>
+          <a:lstStyle/>
+          <a:p>
+            <a:pPr algn="ctr"/>
+            <a:r>
+              <a:rPr lang="en-US" altLang="ko-KR" sz="1100"/>
+              <a:t>Top-level</a:t>
+            </a:r>
+          </a:p>
+          <a:p>
+            <a:pPr algn="ctr"/>
+            <a:r>
+              <a:rPr lang="en-US" altLang="ko-KR" sz="1100"/>
+              <a:t>Domain</a:t>
+            </a:r>
+          </a:p>
+        </p:txBody>
+      </p:sp>
+      <p:sp>
+        <p:nvSpPr>
+          <p:cNvPr id="23" name="TextBox 22">
+            <a:extLst>
+              <a:ext uri="{FF2B5EF4-FFF2-40B4-BE49-F238E27FC236}">
+                <a16:creationId xmlns:a16="http://schemas.microsoft.com/office/drawing/2014/main" id="{CC883E40-B72A-6FB8-791B-653E90134598}"/>
+              </a:ext>
+            </a:extLst>
+          </p:cNvPr>
+          <p:cNvSpPr txBox="1"/>
+          <p:nvPr/>
+        </p:nvSpPr>
+        <p:spPr>
+          <a:xfrm>
+            <a:off x="3101796" y="2406597"/>
+            <a:ext cx="684803" cy="430887"/>
+          </a:xfrm>
+          <a:prstGeom prst="rect">
+            <a:avLst/>
+          </a:prstGeom>
+          <a:noFill/>
+        </p:spPr>
+        <p:txBody>
+          <a:bodyPr wrap="none" rtlCol="0">
+            <a:spAutoFit/>
+          </a:bodyPr>
+          <a:lstStyle/>
+          <a:p>
+            <a:pPr algn="ctr"/>
+            <a:r>
+              <a:rPr lang="en-US" altLang="ko-KR" sz="1100"/>
+              <a:t>Root</a:t>
+            </a:r>
+          </a:p>
+          <a:p>
+            <a:pPr algn="ctr"/>
+            <a:r>
+              <a:rPr lang="en-US" altLang="ko-KR" sz="1100"/>
+              <a:t>Domain</a:t>
+            </a:r>
+          </a:p>
+        </p:txBody>
+      </p:sp>
+      <p:sp>
+        <p:nvSpPr>
+          <p:cNvPr id="24" name="왼쪽 중괄호 23">
+            <a:extLst>
+              <a:ext uri="{FF2B5EF4-FFF2-40B4-BE49-F238E27FC236}">
+                <a16:creationId xmlns:a16="http://schemas.microsoft.com/office/drawing/2014/main" id="{968235F6-9212-1DB8-5685-4D348C61DEE6}"/>
+              </a:ext>
+            </a:extLst>
+          </p:cNvPr>
+          <p:cNvSpPr/>
+          <p:nvPr/>
+        </p:nvSpPr>
+        <p:spPr>
+          <a:xfrm rot="16200000">
+            <a:off x="3372190" y="2294487"/>
+            <a:ext cx="144016" cy="141061"/>
+          </a:xfrm>
+          <a:prstGeom prst="leftBrace">
+            <a:avLst/>
+          </a:prstGeom>
+          <a:ln w="12700">
+            <a:solidFill>
+              <a:schemeClr val="tx1"/>
+            </a:solidFill>
+          </a:ln>
+        </p:spPr>
+        <p:style>
+          <a:lnRef idx="1">
+            <a:schemeClr val="accent1"/>
+          </a:lnRef>
+          <a:fillRef idx="0">
+            <a:schemeClr val="accent1"/>
+          </a:fillRef>
+          <a:effectRef idx="0">
+            <a:schemeClr val="accent1"/>
+          </a:effectRef>
+          <a:fontRef idx="minor">
+            <a:schemeClr val="tx1"/>
+          </a:fontRef>
+        </p:style>
+        <p:txBody>
+          <a:bodyPr rtlCol="0" anchor="ctr"/>
+          <a:lstStyle/>
+          <a:p>
+            <a:pPr algn="ctr"/>
+            <a:endParaRPr lang="ko-KR" altLang="en-US"/>
+          </a:p>
+        </p:txBody>
+      </p:sp>
+    </p:spTree>
+    <p:extLst>
+      <p:ext uri="{BB962C8B-B14F-4D97-AF65-F5344CB8AC3E}">
+        <p14:creationId xmlns:p14="http://schemas.microsoft.com/office/powerpoint/2010/main" val="1669145852"/>
+      </p:ext>
+    </p:extLst>
+  </p:cSld>
+  <p:clrMapOvr>
+    <a:masterClrMapping/>
+  </p:clrMapOvr>
+</p:sld>
+</file>
+
+<file path=ppt/slides/slide7.xml><?xml version="1.0" encoding="utf-8"?>
+<p:sld xmlns:a="http://schemas.openxmlformats.org/drawingml/2006/main" xmlns:r="http://schemas.openxmlformats.org/officeDocument/2006/relationships" xmlns:p="http://schemas.openxmlformats.org/presentationml/2006/main">
+  <p:cSld>
+    <p:spTree>
+      <p:nvGrpSpPr>
+        <p:cNvPr id="1" name=""/>
+        <p:cNvGrpSpPr/>
+        <p:nvPr/>
+      </p:nvGrpSpPr>
+      <p:grpSpPr>
+        <a:xfrm>
+          <a:off x="0" y="0"/>
+          <a:ext cx="0" cy="0"/>
+          <a:chOff x="0" y="0"/>
+          <a:chExt cx="0" cy="0"/>
+        </a:xfrm>
+      </p:grpSpPr>
+      <p:sp>
+        <p:nvSpPr>
           <p:cNvPr id="2" name="제목 1"/>
           <p:cNvSpPr>
             <a:spLocks noGrp="1"/>
@@ -5156,7 +7089,7 @@
 </p:sld>
 </file>
 
-<file path=ppt/slides/slide6.xml><?xml version="1.0" encoding="utf-8"?>
+<file path=ppt/slides/slide8.xml><?xml version="1.0" encoding="utf-8"?>
 <p:sld xmlns:a="http://schemas.openxmlformats.org/drawingml/2006/main" xmlns:r="http://schemas.openxmlformats.org/officeDocument/2006/relationships" xmlns:p="http://schemas.openxmlformats.org/presentationml/2006/main">
   <p:cSld>
     <p:spTree>
